--- a/network services.pptx
+++ b/network services.pptx
@@ -16608,8 +16608,8 @@
         </p:blipFill>
         <p:spPr>
           <a:xfrm>
-            <a:off x="8328248" y="1052736"/>
-            <a:ext cx="2808552" cy="1768565"/>
+            <a:off x="7860196" y="939420"/>
+            <a:ext cx="4002306" cy="2520280"/>
           </a:xfrm>
           <a:prstGeom prst="rect">
             <a:avLst/>
@@ -16859,7 +16859,7 @@
         <p:spPr bwMode="auto">
           <a:xfrm>
             <a:off x="551543" y="4437112"/>
-            <a:ext cx="2628900" cy="2160240"/>
+            <a:ext cx="2628900" cy="2420888"/>
           </a:xfrm>
           <a:prstGeom prst="rect">
             <a:avLst/>
@@ -16953,7 +16953,7 @@
             <a:pPr algn="ctr"/>
             <a:r>
               <a:rPr lang="en-US" dirty="0" smtClean="0"/>
-              <a:t>DISCOVERY</a:t>
+              <a:t>DISCOVER</a:t>
             </a:r>
             <a:endParaRPr lang="en-US" dirty="0"/>
           </a:p>
@@ -16967,8 +16967,8 @@
         </p:nvSpPr>
         <p:spPr>
           <a:xfrm>
-            <a:off x="6888088" y="4824018"/>
-            <a:ext cx="1944216" cy="484632"/>
+            <a:off x="6891130" y="4824018"/>
+            <a:ext cx="1941174" cy="484632"/>
           </a:xfrm>
           <a:prstGeom prst="leftArrow">
             <a:avLst/>
@@ -17101,6 +17101,18 @@
   <p:clrMapOvr>
     <a:masterClrMapping/>
   </p:clrMapOvr>
+  <mc:AlternateContent xmlns:mc="http://schemas.openxmlformats.org/markup-compatibility/2006">
+    <mc:Choice xmlns:p14="http://schemas.microsoft.com/office/powerpoint/2010/main" Requires="p14">
+      <p:transition spd="med" p14:dur="700">
+        <p:fade/>
+      </p:transition>
+    </mc:Choice>
+    <mc:Fallback>
+      <p:transition spd="med">
+        <p:fade/>
+      </p:transition>
+    </mc:Fallback>
+  </mc:AlternateContent>
   <p:timing>
     <p:tnLst>
       <p:par>
@@ -17214,7 +17226,7 @@
                                     <p:cond delay="0"/>
                                   </p:stCondLst>
                                   <p:childTnLst>
-                                    <p:animMotion origin="layout" path="M -0.11914 2.59259E-6 L -0.38385 0.00278 " pathEditMode="relative" rAng="0" ptsTypes="AA">
+                                    <p:animMotion origin="layout" path="M -0.07956 0.00278 L -0.38385 0.00278 " pathEditMode="relative" rAng="0" ptsTypes="AA">
                                       <p:cBhvr>
                                         <p:cTn id="14" dur="2000" fill="hold"/>
                                         <p:tgtEl>
@@ -17225,7 +17237,7 @@
                                           <p:attrName>ppt_y</p:attrName>
                                         </p:attrNameLst>
                                       </p:cBhvr>
-                                      <p:rCtr x="-13242" y="139"/>
+                                      <p:rCtr x="-15221" y="0"/>
                                     </p:animMotion>
                                   </p:childTnLst>
                                 </p:cTn>
@@ -17365,53 +17377,6 @@
           <a:chExt cx="0" cy="0"/>
         </a:xfrm>
       </p:grpSpPr>
-      <p:sp>
-        <p:nvSpPr>
-          <p:cNvPr id="2" name="TextBox 1"/>
-          <p:cNvSpPr txBox="1"/>
-          <p:nvPr/>
-        </p:nvSpPr>
-        <p:spPr>
-          <a:xfrm>
-            <a:off x="1487488" y="116632"/>
-            <a:ext cx="9145016" cy="646331"/>
-          </a:xfrm>
-          <a:prstGeom prst="rect">
-            <a:avLst/>
-          </a:prstGeom>
-          <a:noFill/>
-        </p:spPr>
-        <p:txBody>
-          <a:bodyPr wrap="square" rtlCol="0">
-            <a:spAutoFit/>
-          </a:bodyPr>
-          <a:lstStyle/>
-          <a:p>
-            <a:pPr algn="ctr"/>
-            <a:r>
-              <a:rPr lang="en-US" sz="3600" b="1" u="sng" dirty="0" smtClean="0">
-                <a:solidFill>
-                  <a:schemeClr val="tx2">
-                    <a:lumMod val="75000"/>
-                  </a:schemeClr>
-                </a:solidFill>
-                <a:latin typeface="Times New Roman" panose="02020603050405020304" pitchFamily="18" charset="0"/>
-                <a:cs typeface="Times New Roman" panose="02020603050405020304" pitchFamily="18" charset="0"/>
-              </a:rPr>
-              <a:t>APPLICATION ARCHITECTURE - TYPES</a:t>
-            </a:r>
-            <a:endParaRPr lang="en-US" sz="3600" b="1" u="sng" dirty="0">
-              <a:solidFill>
-                <a:schemeClr val="tx2">
-                  <a:lumMod val="75000"/>
-                </a:schemeClr>
-              </a:solidFill>
-              <a:latin typeface="Times New Roman" panose="02020603050405020304" pitchFamily="18" charset="0"/>
-              <a:cs typeface="Times New Roman" panose="02020603050405020304" pitchFamily="18" charset="0"/>
-            </a:endParaRPr>
-          </a:p>
-        </p:txBody>
-      </p:sp>
       <p:pic>
         <p:nvPicPr>
           <p:cNvPr id="4" name="Picture 3"/>
@@ -17428,7 +17393,7 @@
         </p:blipFill>
         <p:spPr>
           <a:xfrm>
-            <a:off x="7608168" y="970007"/>
+            <a:off x="7694989" y="610252"/>
             <a:ext cx="2664296" cy="2632672"/>
           </a:xfrm>
           <a:prstGeom prst="rect">
@@ -17451,7 +17416,7 @@
         </p:blipFill>
         <p:spPr>
           <a:xfrm>
-            <a:off x="767408" y="699195"/>
+            <a:off x="839416" y="188640"/>
             <a:ext cx="4703769" cy="3086806"/>
           </a:xfrm>
           <a:prstGeom prst="rect">
@@ -17811,9 +17776,141 @@
   <p:timing>
     <p:tnLst>
       <p:par>
-        <p:cTn id="1" dur="indefinite" restart="never" nodeType="tmRoot"/>
+        <p:cTn id="1" dur="indefinite" restart="never" nodeType="tmRoot">
+          <p:childTnLst>
+            <p:seq concurrent="1" nextAc="seek">
+              <p:cTn id="2" dur="indefinite" nodeType="mainSeq">
+                <p:childTnLst>
+                  <p:par>
+                    <p:cTn id="3" fill="hold">
+                      <p:stCondLst>
+                        <p:cond delay="indefinite"/>
+                      </p:stCondLst>
+                      <p:childTnLst>
+                        <p:par>
+                          <p:cTn id="4" fill="hold">
+                            <p:stCondLst>
+                              <p:cond delay="0"/>
+                            </p:stCondLst>
+                            <p:childTnLst>
+                              <p:par>
+                                <p:cTn id="5" presetID="10" presetClass="entr" presetSubtype="0" fill="hold" grpId="0" nodeType="clickEffect">
+                                  <p:stCondLst>
+                                    <p:cond delay="0"/>
+                                  </p:stCondLst>
+                                  <p:childTnLst>
+                                    <p:set>
+                                      <p:cBhvr>
+                                        <p:cTn id="6" dur="1" fill="hold">
+                                          <p:stCondLst>
+                                            <p:cond delay="0"/>
+                                          </p:stCondLst>
+                                        </p:cTn>
+                                        <p:tgtEl>
+                                          <p:spTgt spid="4"/>
+                                        </p:tgtEl>
+                                        <p:attrNameLst>
+                                          <p:attrName>style.visibility</p:attrName>
+                                        </p:attrNameLst>
+                                      </p:cBhvr>
+                                      <p:to>
+                                        <p:strVal val="visible"/>
+                                      </p:to>
+                                    </p:set>
+                                    <p:animEffect transition="in" filter="fade">
+                                      <p:cBhvr>
+                                        <p:cTn id="7" dur="500"/>
+                                        <p:tgtEl>
+                                          <p:spTgt spid="4"/>
+                                        </p:tgtEl>
+                                      </p:cBhvr>
+                                    </p:animEffect>
+                                  </p:childTnLst>
+                                </p:cTn>
+                              </p:par>
+                            </p:childTnLst>
+                          </p:cTn>
+                        </p:par>
+                      </p:childTnLst>
+                    </p:cTn>
+                  </p:par>
+                  <p:par>
+                    <p:cTn id="8" fill="hold">
+                      <p:stCondLst>
+                        <p:cond delay="indefinite"/>
+                      </p:stCondLst>
+                      <p:childTnLst>
+                        <p:par>
+                          <p:cTn id="9" fill="hold">
+                            <p:stCondLst>
+                              <p:cond delay="0"/>
+                            </p:stCondLst>
+                            <p:childTnLst>
+                              <p:par>
+                                <p:cTn id="10" presetID="10" presetClass="entr" presetSubtype="0" fill="hold" nodeType="clickEffect">
+                                  <p:stCondLst>
+                                    <p:cond delay="0"/>
+                                  </p:stCondLst>
+                                  <p:childTnLst>
+                                    <p:set>
+                                      <p:cBhvr>
+                                        <p:cTn id="11" dur="1" fill="hold">
+                                          <p:stCondLst>
+                                            <p:cond delay="0"/>
+                                          </p:stCondLst>
+                                        </p:cTn>
+                                        <p:tgtEl>
+                                          <p:spTgt spid="2"/>
+                                        </p:tgtEl>
+                                        <p:attrNameLst>
+                                          <p:attrName>style.visibility</p:attrName>
+                                        </p:attrNameLst>
+                                      </p:cBhvr>
+                                      <p:to>
+                                        <p:strVal val="visible"/>
+                                      </p:to>
+                                    </p:set>
+                                    <p:animEffect transition="in" filter="fade">
+                                      <p:cBhvr>
+                                        <p:cTn id="12" dur="500"/>
+                                        <p:tgtEl>
+                                          <p:spTgt spid="2"/>
+                                        </p:tgtEl>
+                                      </p:cBhvr>
+                                    </p:animEffect>
+                                  </p:childTnLst>
+                                </p:cTn>
+                              </p:par>
+                            </p:childTnLst>
+                          </p:cTn>
+                        </p:par>
+                      </p:childTnLst>
+                    </p:cTn>
+                  </p:par>
+                </p:childTnLst>
+              </p:cTn>
+              <p:prevCondLst>
+                <p:cond evt="onPrev" delay="0">
+                  <p:tgtEl>
+                    <p:sldTgt/>
+                  </p:tgtEl>
+                </p:cond>
+              </p:prevCondLst>
+              <p:nextCondLst>
+                <p:cond evt="onNext" delay="0">
+                  <p:tgtEl>
+                    <p:sldTgt/>
+                  </p:tgtEl>
+                </p:cond>
+              </p:nextCondLst>
+            </p:seq>
+          </p:childTnLst>
+        </p:cTn>
       </p:par>
     </p:tnLst>
+    <p:bldLst>
+      <p:bldP spid="4" grpId="0"/>
+    </p:bldLst>
   </p:timing>
 </p:sld>
 </file>
@@ -18090,9 +18187,141 @@
   <p:timing>
     <p:tnLst>
       <p:par>
-        <p:cTn id="1" dur="indefinite" restart="never" nodeType="tmRoot"/>
+        <p:cTn id="1" dur="indefinite" restart="never" nodeType="tmRoot">
+          <p:childTnLst>
+            <p:seq concurrent="1" nextAc="seek">
+              <p:cTn id="2" dur="indefinite" nodeType="mainSeq">
+                <p:childTnLst>
+                  <p:par>
+                    <p:cTn id="3" fill="hold">
+                      <p:stCondLst>
+                        <p:cond delay="indefinite"/>
+                      </p:stCondLst>
+                      <p:childTnLst>
+                        <p:par>
+                          <p:cTn id="4" fill="hold">
+                            <p:stCondLst>
+                              <p:cond delay="0"/>
+                            </p:stCondLst>
+                            <p:childTnLst>
+                              <p:par>
+                                <p:cTn id="5" presetID="10" presetClass="entr" presetSubtype="0" fill="hold" grpId="0" nodeType="clickEffect">
+                                  <p:stCondLst>
+                                    <p:cond delay="0"/>
+                                  </p:stCondLst>
+                                  <p:childTnLst>
+                                    <p:set>
+                                      <p:cBhvr>
+                                        <p:cTn id="6" dur="1" fill="hold">
+                                          <p:stCondLst>
+                                            <p:cond delay="0"/>
+                                          </p:stCondLst>
+                                        </p:cTn>
+                                        <p:tgtEl>
+                                          <p:spTgt spid="4"/>
+                                        </p:tgtEl>
+                                        <p:attrNameLst>
+                                          <p:attrName>style.visibility</p:attrName>
+                                        </p:attrNameLst>
+                                      </p:cBhvr>
+                                      <p:to>
+                                        <p:strVal val="visible"/>
+                                      </p:to>
+                                    </p:set>
+                                    <p:animEffect transition="in" filter="fade">
+                                      <p:cBhvr>
+                                        <p:cTn id="7" dur="500"/>
+                                        <p:tgtEl>
+                                          <p:spTgt spid="4"/>
+                                        </p:tgtEl>
+                                      </p:cBhvr>
+                                    </p:animEffect>
+                                  </p:childTnLst>
+                                </p:cTn>
+                              </p:par>
+                            </p:childTnLst>
+                          </p:cTn>
+                        </p:par>
+                      </p:childTnLst>
+                    </p:cTn>
+                  </p:par>
+                  <p:par>
+                    <p:cTn id="8" fill="hold">
+                      <p:stCondLst>
+                        <p:cond delay="indefinite"/>
+                      </p:stCondLst>
+                      <p:childTnLst>
+                        <p:par>
+                          <p:cTn id="9" fill="hold">
+                            <p:stCondLst>
+                              <p:cond delay="0"/>
+                            </p:stCondLst>
+                            <p:childTnLst>
+                              <p:par>
+                                <p:cTn id="10" presetID="10" presetClass="entr" presetSubtype="0" fill="hold" nodeType="clickEffect">
+                                  <p:stCondLst>
+                                    <p:cond delay="0"/>
+                                  </p:stCondLst>
+                                  <p:childTnLst>
+                                    <p:set>
+                                      <p:cBhvr>
+                                        <p:cTn id="11" dur="1" fill="hold">
+                                          <p:stCondLst>
+                                            <p:cond delay="0"/>
+                                          </p:stCondLst>
+                                        </p:cTn>
+                                        <p:tgtEl>
+                                          <p:spTgt spid="2"/>
+                                        </p:tgtEl>
+                                        <p:attrNameLst>
+                                          <p:attrName>style.visibility</p:attrName>
+                                        </p:attrNameLst>
+                                      </p:cBhvr>
+                                      <p:to>
+                                        <p:strVal val="visible"/>
+                                      </p:to>
+                                    </p:set>
+                                    <p:animEffect transition="in" filter="fade">
+                                      <p:cBhvr>
+                                        <p:cTn id="12" dur="500"/>
+                                        <p:tgtEl>
+                                          <p:spTgt spid="2"/>
+                                        </p:tgtEl>
+                                      </p:cBhvr>
+                                    </p:animEffect>
+                                  </p:childTnLst>
+                                </p:cTn>
+                              </p:par>
+                            </p:childTnLst>
+                          </p:cTn>
+                        </p:par>
+                      </p:childTnLst>
+                    </p:cTn>
+                  </p:par>
+                </p:childTnLst>
+              </p:cTn>
+              <p:prevCondLst>
+                <p:cond evt="onPrev" delay="0">
+                  <p:tgtEl>
+                    <p:sldTgt/>
+                  </p:tgtEl>
+                </p:cond>
+              </p:prevCondLst>
+              <p:nextCondLst>
+                <p:cond evt="onNext" delay="0">
+                  <p:tgtEl>
+                    <p:sldTgt/>
+                  </p:tgtEl>
+                </p:cond>
+              </p:nextCondLst>
+            </p:seq>
+          </p:childTnLst>
+        </p:cTn>
       </p:par>
     </p:tnLst>
+    <p:bldLst>
+      <p:bldP spid="4" grpId="0"/>
+    </p:bldLst>
   </p:timing>
 </p:sld>
 </file>
@@ -18295,7 +18524,7 @@
         <p:spPr>
           <a:xfrm>
             <a:off x="119336" y="2531805"/>
-            <a:ext cx="4248472" cy="3970318"/>
+            <a:ext cx="4248472" cy="3416320"/>
           </a:xfrm>
           <a:prstGeom prst="rect">
             <a:avLst/>
@@ -18325,8 +18554,17 @@
                 <a:latin typeface="Times New Roman" panose="02020603050405020304" pitchFamily="18" charset="0"/>
                 <a:cs typeface="Times New Roman" panose="02020603050405020304" pitchFamily="18" charset="0"/>
               </a:rPr>
-              <a:t>MTA</a:t>
-            </a:r>
+              <a:t>MUA</a:t>
+            </a:r>
+            <a:endParaRPr lang="en-US" sz="2400" dirty="0" smtClean="0">
+              <a:solidFill>
+                <a:schemeClr val="bg2">
+                  <a:lumMod val="25000"/>
+                </a:schemeClr>
+              </a:solidFill>
+              <a:latin typeface="Times New Roman" panose="02020603050405020304" pitchFamily="18" charset="0"/>
+              <a:cs typeface="Times New Roman" panose="02020603050405020304" pitchFamily="18" charset="0"/>
+            </a:endParaRPr>
           </a:p>
           <a:p>
             <a:pPr marL="342900" indent="-342900">
@@ -18346,7 +18584,7 @@
                 <a:latin typeface="Times New Roman" panose="02020603050405020304" pitchFamily="18" charset="0"/>
                 <a:cs typeface="Times New Roman" panose="02020603050405020304" pitchFamily="18" charset="0"/>
               </a:rPr>
-              <a:t>MUA</a:t>
+              <a:t>MTA</a:t>
             </a:r>
           </a:p>
           <a:p>
@@ -18367,8 +18605,17 @@
                 <a:latin typeface="Times New Roman" panose="02020603050405020304" pitchFamily="18" charset="0"/>
                 <a:cs typeface="Times New Roman" panose="02020603050405020304" pitchFamily="18" charset="0"/>
               </a:rPr>
-              <a:t>LDP</a:t>
-            </a:r>
+              <a:t>MDA</a:t>
+            </a:r>
+            <a:endParaRPr lang="en-US" sz="2400" dirty="0" smtClean="0">
+              <a:solidFill>
+                <a:schemeClr val="bg2">
+                  <a:lumMod val="25000"/>
+                </a:schemeClr>
+              </a:solidFill>
+              <a:latin typeface="Times New Roman" panose="02020603050405020304" pitchFamily="18" charset="0"/>
+              <a:cs typeface="Times New Roman" panose="02020603050405020304" pitchFamily="18" charset="0"/>
+            </a:endParaRPr>
           </a:p>
           <a:p>
             <a:pPr marL="342900" indent="-342900">
@@ -18390,6 +18637,15 @@
               </a:rPr>
               <a:t>SMTP</a:t>
             </a:r>
+            <a:endParaRPr lang="en-US" sz="2400" dirty="0" smtClean="0">
+              <a:solidFill>
+                <a:schemeClr val="bg2">
+                  <a:lumMod val="25000"/>
+                </a:schemeClr>
+              </a:solidFill>
+              <a:latin typeface="Times New Roman" panose="02020603050405020304" pitchFamily="18" charset="0"/>
+              <a:cs typeface="Times New Roman" panose="02020603050405020304" pitchFamily="18" charset="0"/>
+            </a:endParaRPr>
           </a:p>
           <a:p>
             <a:pPr marL="342900" indent="-342900">
@@ -18432,28 +18688,7 @@
               </a:rPr>
               <a:t>IMAP4</a:t>
             </a:r>
-          </a:p>
-          <a:p>
-            <a:pPr marL="342900" indent="-342900">
-              <a:lnSpc>
-                <a:spcPct val="150000"/>
-              </a:lnSpc>
-              <a:buFont typeface="Wingdings" panose="05000000000000000000" pitchFamily="2" charset="2"/>
-              <a:buChar char="§"/>
-            </a:pPr>
-            <a:r>
-              <a:rPr lang="en-US" sz="2400" dirty="0" smtClean="0">
-                <a:solidFill>
-                  <a:schemeClr val="bg2">
-                    <a:lumMod val="25000"/>
-                  </a:schemeClr>
-                </a:solidFill>
-                <a:latin typeface="Times New Roman" panose="02020603050405020304" pitchFamily="18" charset="0"/>
-                <a:cs typeface="Times New Roman" panose="02020603050405020304" pitchFamily="18" charset="0"/>
-              </a:rPr>
-              <a:t>MAPI</a:t>
-            </a:r>
-            <a:endParaRPr lang="en-US" sz="2400" dirty="0">
+            <a:endParaRPr lang="en-US" sz="2400" dirty="0" smtClean="0">
               <a:solidFill>
                 <a:schemeClr val="bg2">
                   <a:lumMod val="25000"/>
@@ -18478,9 +18713,195 @@
   <p:timing>
     <p:tnLst>
       <p:par>
-        <p:cTn id="1" dur="indefinite" restart="never" nodeType="tmRoot"/>
+        <p:cTn id="1" dur="indefinite" restart="never" nodeType="tmRoot">
+          <p:childTnLst>
+            <p:seq concurrent="1" nextAc="seek">
+              <p:cTn id="2" dur="indefinite" nodeType="mainSeq">
+                <p:childTnLst>
+                  <p:par>
+                    <p:cTn id="3" fill="hold">
+                      <p:stCondLst>
+                        <p:cond delay="indefinite"/>
+                      </p:stCondLst>
+                      <p:childTnLst>
+                        <p:par>
+                          <p:cTn id="4" fill="hold">
+                            <p:stCondLst>
+                              <p:cond delay="0"/>
+                            </p:stCondLst>
+                            <p:childTnLst>
+                              <p:par>
+                                <p:cTn id="5" presetID="10" presetClass="entr" presetSubtype="0" fill="hold" grpId="0" nodeType="clickEffect">
+                                  <p:stCondLst>
+                                    <p:cond delay="0"/>
+                                  </p:stCondLst>
+                                  <p:childTnLst>
+                                    <p:set>
+                                      <p:cBhvr>
+                                        <p:cTn id="6" dur="1" fill="hold">
+                                          <p:stCondLst>
+                                            <p:cond delay="0"/>
+                                          </p:stCondLst>
+                                        </p:cTn>
+                                        <p:tgtEl>
+                                          <p:spTgt spid="8"/>
+                                        </p:tgtEl>
+                                        <p:attrNameLst>
+                                          <p:attrName>style.visibility</p:attrName>
+                                        </p:attrNameLst>
+                                      </p:cBhvr>
+                                      <p:to>
+                                        <p:strVal val="visible"/>
+                                      </p:to>
+                                    </p:set>
+                                    <p:animEffect transition="in" filter="fade">
+                                      <p:cBhvr>
+                                        <p:cTn id="7" dur="500"/>
+                                        <p:tgtEl>
+                                          <p:spTgt spid="8"/>
+                                        </p:tgtEl>
+                                      </p:cBhvr>
+                                    </p:animEffect>
+                                  </p:childTnLst>
+                                </p:cTn>
+                              </p:par>
+                            </p:childTnLst>
+                          </p:cTn>
+                        </p:par>
+                      </p:childTnLst>
+                    </p:cTn>
+                  </p:par>
+                  <p:par>
+                    <p:cTn id="8" fill="hold">
+                      <p:stCondLst>
+                        <p:cond delay="indefinite"/>
+                      </p:stCondLst>
+                      <p:childTnLst>
+                        <p:par>
+                          <p:cTn id="9" fill="hold">
+                            <p:stCondLst>
+                              <p:cond delay="0"/>
+                            </p:stCondLst>
+                            <p:childTnLst>
+                              <p:par>
+                                <p:cTn id="10" presetID="10" presetClass="entr" presetSubtype="0" fill="hold" grpId="0" nodeType="clickEffect">
+                                  <p:stCondLst>
+                                    <p:cond delay="0"/>
+                                  </p:stCondLst>
+                                  <p:childTnLst>
+                                    <p:set>
+                                      <p:cBhvr>
+                                        <p:cTn id="11" dur="1" fill="hold">
+                                          <p:stCondLst>
+                                            <p:cond delay="0"/>
+                                          </p:stCondLst>
+                                        </p:cTn>
+                                        <p:tgtEl>
+                                          <p:spTgt spid="9"/>
+                                        </p:tgtEl>
+                                        <p:attrNameLst>
+                                          <p:attrName>style.visibility</p:attrName>
+                                        </p:attrNameLst>
+                                      </p:cBhvr>
+                                      <p:to>
+                                        <p:strVal val="visible"/>
+                                      </p:to>
+                                    </p:set>
+                                    <p:animEffect transition="in" filter="fade">
+                                      <p:cBhvr>
+                                        <p:cTn id="12" dur="500"/>
+                                        <p:tgtEl>
+                                          <p:spTgt spid="9"/>
+                                        </p:tgtEl>
+                                      </p:cBhvr>
+                                    </p:animEffect>
+                                  </p:childTnLst>
+                                </p:cTn>
+                              </p:par>
+                            </p:childTnLst>
+                          </p:cTn>
+                        </p:par>
+                      </p:childTnLst>
+                    </p:cTn>
+                  </p:par>
+                  <p:par>
+                    <p:cTn id="13" fill="hold">
+                      <p:stCondLst>
+                        <p:cond delay="indefinite"/>
+                      </p:stCondLst>
+                      <p:childTnLst>
+                        <p:par>
+                          <p:cTn id="14" fill="hold">
+                            <p:stCondLst>
+                              <p:cond delay="0"/>
+                            </p:stCondLst>
+                            <p:childTnLst>
+                              <p:par>
+                                <p:cTn id="15" presetID="10" presetClass="entr" presetSubtype="0" fill="hold" nodeType="clickEffect">
+                                  <p:stCondLst>
+                                    <p:cond delay="0"/>
+                                  </p:stCondLst>
+                                  <p:childTnLst>
+                                    <p:set>
+                                      <p:cBhvr>
+                                        <p:cTn id="16" dur="1" fill="hold">
+                                          <p:stCondLst>
+                                            <p:cond delay="0"/>
+                                          </p:stCondLst>
+                                        </p:cTn>
+                                        <p:tgtEl>
+                                          <p:spTgt spid="2"/>
+                                        </p:tgtEl>
+                                        <p:attrNameLst>
+                                          <p:attrName>style.visibility</p:attrName>
+                                        </p:attrNameLst>
+                                      </p:cBhvr>
+                                      <p:to>
+                                        <p:strVal val="visible"/>
+                                      </p:to>
+                                    </p:set>
+                                    <p:animEffect transition="in" filter="fade">
+                                      <p:cBhvr>
+                                        <p:cTn id="17" dur="500"/>
+                                        <p:tgtEl>
+                                          <p:spTgt spid="2"/>
+                                        </p:tgtEl>
+                                      </p:cBhvr>
+                                    </p:animEffect>
+                                  </p:childTnLst>
+                                </p:cTn>
+                              </p:par>
+                            </p:childTnLst>
+                          </p:cTn>
+                        </p:par>
+                      </p:childTnLst>
+                    </p:cTn>
+                  </p:par>
+                </p:childTnLst>
+              </p:cTn>
+              <p:prevCondLst>
+                <p:cond evt="onPrev" delay="0">
+                  <p:tgtEl>
+                    <p:sldTgt/>
+                  </p:tgtEl>
+                </p:cond>
+              </p:prevCondLst>
+              <p:nextCondLst>
+                <p:cond evt="onNext" delay="0">
+                  <p:tgtEl>
+                    <p:sldTgt/>
+                  </p:tgtEl>
+                </p:cond>
+              </p:nextCondLst>
+            </p:seq>
+          </p:childTnLst>
+        </p:cTn>
       </p:par>
     </p:tnLst>
+    <p:bldLst>
+      <p:bldP spid="8" grpId="0"/>
+      <p:bldP spid="9" grpId="0"/>
+    </p:bldLst>
   </p:timing>
 </p:sld>
 </file>
@@ -18695,9 +19116,141 @@
   <p:timing>
     <p:tnLst>
       <p:par>
-        <p:cTn id="1" dur="indefinite" restart="never" nodeType="tmRoot"/>
+        <p:cTn id="1" dur="indefinite" restart="never" nodeType="tmRoot">
+          <p:childTnLst>
+            <p:seq concurrent="1" nextAc="seek">
+              <p:cTn id="2" dur="indefinite" nodeType="mainSeq">
+                <p:childTnLst>
+                  <p:par>
+                    <p:cTn id="3" fill="hold">
+                      <p:stCondLst>
+                        <p:cond delay="indefinite"/>
+                      </p:stCondLst>
+                      <p:childTnLst>
+                        <p:par>
+                          <p:cTn id="4" fill="hold">
+                            <p:stCondLst>
+                              <p:cond delay="0"/>
+                            </p:stCondLst>
+                            <p:childTnLst>
+                              <p:par>
+                                <p:cTn id="5" presetID="10" presetClass="entr" presetSubtype="0" fill="hold" grpId="0" nodeType="clickEffect">
+                                  <p:stCondLst>
+                                    <p:cond delay="0"/>
+                                  </p:stCondLst>
+                                  <p:childTnLst>
+                                    <p:set>
+                                      <p:cBhvr>
+                                        <p:cTn id="6" dur="1" fill="hold">
+                                          <p:stCondLst>
+                                            <p:cond delay="0"/>
+                                          </p:stCondLst>
+                                        </p:cTn>
+                                        <p:tgtEl>
+                                          <p:spTgt spid="6"/>
+                                        </p:tgtEl>
+                                        <p:attrNameLst>
+                                          <p:attrName>style.visibility</p:attrName>
+                                        </p:attrNameLst>
+                                      </p:cBhvr>
+                                      <p:to>
+                                        <p:strVal val="visible"/>
+                                      </p:to>
+                                    </p:set>
+                                    <p:animEffect transition="in" filter="fade">
+                                      <p:cBhvr>
+                                        <p:cTn id="7" dur="500"/>
+                                        <p:tgtEl>
+                                          <p:spTgt spid="6"/>
+                                        </p:tgtEl>
+                                      </p:cBhvr>
+                                    </p:animEffect>
+                                  </p:childTnLst>
+                                </p:cTn>
+                              </p:par>
+                            </p:childTnLst>
+                          </p:cTn>
+                        </p:par>
+                      </p:childTnLst>
+                    </p:cTn>
+                  </p:par>
+                  <p:par>
+                    <p:cTn id="8" fill="hold">
+                      <p:stCondLst>
+                        <p:cond delay="indefinite"/>
+                      </p:stCondLst>
+                      <p:childTnLst>
+                        <p:par>
+                          <p:cTn id="9" fill="hold">
+                            <p:stCondLst>
+                              <p:cond delay="0"/>
+                            </p:stCondLst>
+                            <p:childTnLst>
+                              <p:par>
+                                <p:cTn id="10" presetID="10" presetClass="entr" presetSubtype="0" fill="hold" nodeType="clickEffect">
+                                  <p:stCondLst>
+                                    <p:cond delay="0"/>
+                                  </p:stCondLst>
+                                  <p:childTnLst>
+                                    <p:set>
+                                      <p:cBhvr>
+                                        <p:cTn id="11" dur="1" fill="hold">
+                                          <p:stCondLst>
+                                            <p:cond delay="0"/>
+                                          </p:stCondLst>
+                                        </p:cTn>
+                                        <p:tgtEl>
+                                          <p:spTgt spid="5"/>
+                                        </p:tgtEl>
+                                        <p:attrNameLst>
+                                          <p:attrName>style.visibility</p:attrName>
+                                        </p:attrNameLst>
+                                      </p:cBhvr>
+                                      <p:to>
+                                        <p:strVal val="visible"/>
+                                      </p:to>
+                                    </p:set>
+                                    <p:animEffect transition="in" filter="fade">
+                                      <p:cBhvr>
+                                        <p:cTn id="12" dur="500"/>
+                                        <p:tgtEl>
+                                          <p:spTgt spid="5"/>
+                                        </p:tgtEl>
+                                      </p:cBhvr>
+                                    </p:animEffect>
+                                  </p:childTnLst>
+                                </p:cTn>
+                              </p:par>
+                            </p:childTnLst>
+                          </p:cTn>
+                        </p:par>
+                      </p:childTnLst>
+                    </p:cTn>
+                  </p:par>
+                </p:childTnLst>
+              </p:cTn>
+              <p:prevCondLst>
+                <p:cond evt="onPrev" delay="0">
+                  <p:tgtEl>
+                    <p:sldTgt/>
+                  </p:tgtEl>
+                </p:cond>
+              </p:prevCondLst>
+              <p:nextCondLst>
+                <p:cond evt="onNext" delay="0">
+                  <p:tgtEl>
+                    <p:sldTgt/>
+                  </p:tgtEl>
+                </p:cond>
+              </p:nextCondLst>
+            </p:seq>
+          </p:childTnLst>
+        </p:cTn>
       </p:par>
     </p:tnLst>
+    <p:bldLst>
+      <p:bldP spid="6" grpId="0"/>
+    </p:bldLst>
   </p:timing>
 </p:sld>
 </file>
@@ -18865,9 +19418,141 @@
   <p:timing>
     <p:tnLst>
       <p:par>
-        <p:cTn id="1" dur="indefinite" restart="never" nodeType="tmRoot"/>
+        <p:cTn id="1" dur="indefinite" restart="never" nodeType="tmRoot">
+          <p:childTnLst>
+            <p:seq concurrent="1" nextAc="seek">
+              <p:cTn id="2" dur="indefinite" nodeType="mainSeq">
+                <p:childTnLst>
+                  <p:par>
+                    <p:cTn id="3" fill="hold">
+                      <p:stCondLst>
+                        <p:cond delay="indefinite"/>
+                      </p:stCondLst>
+                      <p:childTnLst>
+                        <p:par>
+                          <p:cTn id="4" fill="hold">
+                            <p:stCondLst>
+                              <p:cond delay="0"/>
+                            </p:stCondLst>
+                            <p:childTnLst>
+                              <p:par>
+                                <p:cTn id="5" presetID="10" presetClass="entr" presetSubtype="0" fill="hold" grpId="0" nodeType="clickEffect">
+                                  <p:stCondLst>
+                                    <p:cond delay="0"/>
+                                  </p:stCondLst>
+                                  <p:childTnLst>
+                                    <p:set>
+                                      <p:cBhvr>
+                                        <p:cTn id="6" dur="1" fill="hold">
+                                          <p:stCondLst>
+                                            <p:cond delay="0"/>
+                                          </p:stCondLst>
+                                        </p:cTn>
+                                        <p:tgtEl>
+                                          <p:spTgt spid="4"/>
+                                        </p:tgtEl>
+                                        <p:attrNameLst>
+                                          <p:attrName>style.visibility</p:attrName>
+                                        </p:attrNameLst>
+                                      </p:cBhvr>
+                                      <p:to>
+                                        <p:strVal val="visible"/>
+                                      </p:to>
+                                    </p:set>
+                                    <p:animEffect transition="in" filter="fade">
+                                      <p:cBhvr>
+                                        <p:cTn id="7" dur="500"/>
+                                        <p:tgtEl>
+                                          <p:spTgt spid="4"/>
+                                        </p:tgtEl>
+                                      </p:cBhvr>
+                                    </p:animEffect>
+                                  </p:childTnLst>
+                                </p:cTn>
+                              </p:par>
+                            </p:childTnLst>
+                          </p:cTn>
+                        </p:par>
+                      </p:childTnLst>
+                    </p:cTn>
+                  </p:par>
+                  <p:par>
+                    <p:cTn id="8" fill="hold">
+                      <p:stCondLst>
+                        <p:cond delay="indefinite"/>
+                      </p:stCondLst>
+                      <p:childTnLst>
+                        <p:par>
+                          <p:cTn id="9" fill="hold">
+                            <p:stCondLst>
+                              <p:cond delay="0"/>
+                            </p:stCondLst>
+                            <p:childTnLst>
+                              <p:par>
+                                <p:cTn id="10" presetID="10" presetClass="entr" presetSubtype="0" fill="hold" nodeType="clickEffect">
+                                  <p:stCondLst>
+                                    <p:cond delay="0"/>
+                                  </p:stCondLst>
+                                  <p:childTnLst>
+                                    <p:set>
+                                      <p:cBhvr>
+                                        <p:cTn id="11" dur="1" fill="hold">
+                                          <p:stCondLst>
+                                            <p:cond delay="0"/>
+                                          </p:stCondLst>
+                                        </p:cTn>
+                                        <p:tgtEl>
+                                          <p:spTgt spid="3"/>
+                                        </p:tgtEl>
+                                        <p:attrNameLst>
+                                          <p:attrName>style.visibility</p:attrName>
+                                        </p:attrNameLst>
+                                      </p:cBhvr>
+                                      <p:to>
+                                        <p:strVal val="visible"/>
+                                      </p:to>
+                                    </p:set>
+                                    <p:animEffect transition="in" filter="fade">
+                                      <p:cBhvr>
+                                        <p:cTn id="12" dur="500"/>
+                                        <p:tgtEl>
+                                          <p:spTgt spid="3"/>
+                                        </p:tgtEl>
+                                      </p:cBhvr>
+                                    </p:animEffect>
+                                  </p:childTnLst>
+                                </p:cTn>
+                              </p:par>
+                            </p:childTnLst>
+                          </p:cTn>
+                        </p:par>
+                      </p:childTnLst>
+                    </p:cTn>
+                  </p:par>
+                </p:childTnLst>
+              </p:cTn>
+              <p:prevCondLst>
+                <p:cond evt="onPrev" delay="0">
+                  <p:tgtEl>
+                    <p:sldTgt/>
+                  </p:tgtEl>
+                </p:cond>
+              </p:prevCondLst>
+              <p:nextCondLst>
+                <p:cond evt="onNext" delay="0">
+                  <p:tgtEl>
+                    <p:sldTgt/>
+                  </p:tgtEl>
+                </p:cond>
+              </p:nextCondLst>
+            </p:seq>
+          </p:childTnLst>
+        </p:cTn>
       </p:par>
     </p:tnLst>
+    <p:bldLst>
+      <p:bldP spid="4" grpId="0"/>
+    </p:bldLst>
   </p:timing>
 </p:sld>
 </file>
